--- a/Lections/Two/Память, указатели, ссылки, передача параметров в функцию.pptx
+++ b/Lections/Two/Память, указатели, ссылки, передача параметров в функцию.pptx
@@ -123,6 +123,11 @@
       </a:defRPr>
     </a:lvl9pPr>
   </p:defaultTextStyle>
+  <p:extLst>
+    <p:ext uri="{EFAFB233-063F-42B5-8137-9DF3F51BA10A}">
+      <p15:sldGuideLst xmlns:p15="http://schemas.microsoft.com/office/powerpoint/2012/main"/>
+    </p:ext>
+  </p:extLst>
 </p:presentation>
 </file>
 
@@ -3446,34 +3451,7 @@
                 </a:solidFill>
                 <a:latin typeface="Calibri" panose="020F0502020204030204" pitchFamily="34" charset="0"/>
               </a:rPr>
-              <a:t>Лекция </a:t>
-            </a:r>
-            <a:r>
-              <a:rPr lang="ru-RU" sz="3600" b="1" dirty="0" smtClean="0">
-                <a:solidFill>
-                  <a:srgbClr val="000000"/>
-                </a:solidFill>
-                <a:latin typeface="Calibri" panose="020F0502020204030204" pitchFamily="34" charset="0"/>
-              </a:rPr>
-              <a:t>2: Память, указатели, ссылки, передача </a:t>
-            </a:r>
-            <a:r>
-              <a:rPr lang="ru-RU" sz="3600" b="1" dirty="0" smtClean="0">
-                <a:solidFill>
-                  <a:srgbClr val="000000"/>
-                </a:solidFill>
-                <a:latin typeface="Calibri" panose="020F0502020204030204" pitchFamily="34" charset="0"/>
-              </a:rPr>
-              <a:t>параметров в функцию</a:t>
-            </a:r>
-            <a:r>
-              <a:rPr lang="ru-RU" sz="3600" b="1" dirty="0" smtClean="0">
-                <a:solidFill>
-                  <a:srgbClr val="000000"/>
-                </a:solidFill>
-                <a:latin typeface="Calibri" panose="020F0502020204030204" pitchFamily="34" charset="0"/>
-              </a:rPr>
-              <a:t>.</a:t>
+              <a:t>Лекция 2: Память, указатели, ссылки, передача параметров в функцию.</a:t>
             </a:r>
             <a:endParaRPr lang="ru-RU" sz="3600" b="1" dirty="0">
               <a:solidFill>
@@ -9469,13 +9447,7 @@
               <a:rPr lang="ru-RU" sz="2800" b="1" dirty="0" smtClean="0">
                 <a:latin typeface="Calibri" panose="020F0502020204030204" pitchFamily="34" charset="0"/>
               </a:rPr>
-              <a:t>Умные указатели</a:t>
-            </a:r>
-            <a:r>
-              <a:rPr lang="ru-RU" sz="2800" b="1" dirty="0" smtClean="0">
-                <a:latin typeface="Calibri" panose="020F0502020204030204" pitchFamily="34" charset="0"/>
-              </a:rPr>
-              <a:t>.</a:t>
+              <a:t>Умные указатели.</a:t>
             </a:r>
             <a:endParaRPr lang="ru-RU" sz="2800" b="1" dirty="0">
               <a:latin typeface="Calibri" panose="020F0502020204030204" pitchFamily="34" charset="0"/>
@@ -10689,13 +10661,7 @@
               <a:rPr lang="ru-RU" sz="2800" b="1" dirty="0" smtClean="0">
                 <a:latin typeface="Calibri" panose="020F0502020204030204" pitchFamily="34" charset="0"/>
               </a:rPr>
-              <a:t>Спасибо за внимание</a:t>
-            </a:r>
-            <a:r>
-              <a:rPr lang="ru-RU" sz="2800" b="1" dirty="0" smtClean="0">
-                <a:latin typeface="Calibri" panose="020F0502020204030204" pitchFamily="34" charset="0"/>
-              </a:rPr>
-              <a:t>.</a:t>
+              <a:t>Спасибо за внимание.</a:t>
             </a:r>
             <a:endParaRPr lang="ru-RU" sz="2800" b="1" dirty="0">
               <a:latin typeface="Calibri" panose="020F0502020204030204" pitchFamily="34" charset="0"/>
@@ -10782,8 +10748,8 @@
         </p:nvSpPr>
         <p:spPr>
           <a:xfrm>
-            <a:off x="3915226" y="0"/>
-            <a:ext cx="4361580" cy="523220"/>
+            <a:off x="4715766" y="0"/>
+            <a:ext cx="2760499" cy="523220"/>
           </a:xfrm>
           <a:prstGeom prst="rect">
             <a:avLst/>
@@ -10800,7 +10766,13 @@
               <a:rPr lang="ru-RU" sz="2800" b="1" dirty="0" smtClean="0">
                 <a:latin typeface="Calibri" panose="020F0502020204030204" pitchFamily="34" charset="0"/>
               </a:rPr>
-              <a:t>Как работает гит, аналогия</a:t>
+              <a:t>Как работает </a:t>
+            </a:r>
+            <a:r>
+              <a:rPr lang="ru-RU" sz="2800" b="1" dirty="0" smtClean="0">
+                <a:latin typeface="Calibri" panose="020F0502020204030204" pitchFamily="34" charset="0"/>
+              </a:rPr>
+              <a:t>гит</a:t>
             </a:r>
             <a:endParaRPr lang="ru-RU" sz="2800" b="1" dirty="0">
               <a:latin typeface="Calibri" panose="020F0502020204030204" pitchFamily="34" charset="0"/>
@@ -10899,8 +10871,8 @@
         </p:nvSpPr>
         <p:spPr>
           <a:xfrm>
-            <a:off x="3915226" y="0"/>
-            <a:ext cx="4361580" cy="523220"/>
+            <a:off x="4715766" y="0"/>
+            <a:ext cx="2760499" cy="523220"/>
           </a:xfrm>
           <a:prstGeom prst="rect">
             <a:avLst/>
@@ -10917,7 +10889,13 @@
               <a:rPr lang="ru-RU" sz="2800" b="1" dirty="0" smtClean="0">
                 <a:latin typeface="Calibri" panose="020F0502020204030204" pitchFamily="34" charset="0"/>
               </a:rPr>
-              <a:t>Как работает гит, аналогия</a:t>
+              <a:t>Как работает </a:t>
+            </a:r>
+            <a:r>
+              <a:rPr lang="ru-RU" sz="2800" b="1" dirty="0" smtClean="0">
+                <a:latin typeface="Calibri" panose="020F0502020204030204" pitchFamily="34" charset="0"/>
+              </a:rPr>
+              <a:t>гит</a:t>
             </a:r>
             <a:endParaRPr lang="ru-RU" sz="2800" b="1" dirty="0">
               <a:latin typeface="Calibri" panose="020F0502020204030204" pitchFamily="34" charset="0"/>
@@ -13008,13 +12986,7 @@
               <a:rPr lang="ru-RU" sz="2800" b="1" dirty="0" smtClean="0">
                 <a:latin typeface="Calibri" panose="020F0502020204030204" pitchFamily="34" charset="0"/>
               </a:rPr>
-              <a:t>Как работает </a:t>
-            </a:r>
-            <a:r>
-              <a:rPr lang="ru-RU" sz="2800" b="1" dirty="0" smtClean="0">
-                <a:latin typeface="Calibri" panose="020F0502020204030204" pitchFamily="34" charset="0"/>
-              </a:rPr>
-              <a:t>память</a:t>
+              <a:t>Как работает память</a:t>
             </a:r>
             <a:endParaRPr lang="ru-RU" sz="2800" b="1" dirty="0">
               <a:latin typeface="Calibri" panose="020F0502020204030204" pitchFamily="34" charset="0"/>
@@ -13642,11 +13614,6 @@
                 </a:rPr>
                 <a:t>1</a:t>
               </a:r>
-              <a:endParaRPr lang="ru-RU" dirty="0">
-                <a:solidFill>
-                  <a:schemeClr val="tx1"/>
-                </a:solidFill>
-              </a:endParaRPr>
             </a:p>
           </p:txBody>
         </p:sp>
@@ -22273,6 +22240,100 @@
           </a:extLst>
         </p:spPr>
       </p:pic>
+      <p:sp>
+        <p:nvSpPr>
+          <p:cNvPr id="48" name="Двойные фигурные скобки 47"/>
+          <p:cNvSpPr/>
+          <p:nvPr/>
+        </p:nvSpPr>
+        <p:spPr>
+          <a:xfrm>
+            <a:off x="521833" y="4624251"/>
+            <a:ext cx="1751477" cy="1185900"/>
+          </a:xfrm>
+          <a:prstGeom prst="bracePair">
+            <a:avLst/>
+          </a:prstGeom>
+        </p:spPr>
+        <p:style>
+          <a:lnRef idx="1">
+            <a:schemeClr val="accent1"/>
+          </a:lnRef>
+          <a:fillRef idx="0">
+            <a:schemeClr val="accent1"/>
+          </a:fillRef>
+          <a:effectRef idx="0">
+            <a:schemeClr val="accent1"/>
+          </a:effectRef>
+          <a:fontRef idx="minor">
+            <a:schemeClr val="tx1"/>
+          </a:fontRef>
+        </p:style>
+        <p:txBody>
+          <a:bodyPr rtlCol="0" anchor="b"/>
+          <a:lstStyle/>
+          <a:p>
+            <a:pPr algn="ctr"/>
+            <a:r>
+              <a:rPr lang="en-US" dirty="0" smtClean="0"/>
+              <a:t>pointer + 1;</a:t>
+            </a:r>
+          </a:p>
+          <a:p>
+            <a:pPr algn="ctr"/>
+            <a:r>
+              <a:rPr lang="en-US" dirty="0" smtClean="0"/>
+              <a:t>pointer – 2;</a:t>
+            </a:r>
+          </a:p>
+          <a:p>
+            <a:pPr algn="ctr"/>
+            <a:r>
+              <a:rPr lang="en-US" dirty="0" smtClean="0"/>
+              <a:t>++pointer;</a:t>
+            </a:r>
+          </a:p>
+          <a:p>
+            <a:pPr algn="ctr"/>
+            <a:r>
+              <a:rPr lang="en-US" dirty="0" smtClean="0"/>
+              <a:t>--pointer;</a:t>
+            </a:r>
+            <a:endParaRPr lang="ru-RU" dirty="0"/>
+          </a:p>
+        </p:txBody>
+      </p:sp>
+      <p:sp>
+        <p:nvSpPr>
+          <p:cNvPr id="49" name="TextBox 48"/>
+          <p:cNvSpPr txBox="1"/>
+          <p:nvPr/>
+        </p:nvSpPr>
+        <p:spPr>
+          <a:xfrm>
+            <a:off x="179102" y="4161516"/>
+            <a:ext cx="2543260" cy="369332"/>
+          </a:xfrm>
+          <a:prstGeom prst="rect">
+            <a:avLst/>
+          </a:prstGeom>
+          <a:noFill/>
+        </p:spPr>
+        <p:txBody>
+          <a:bodyPr wrap="none" rtlCol="0">
+            <a:spAutoFit/>
+          </a:bodyPr>
+          <a:lstStyle/>
+          <a:p>
+            <a:pPr algn="ctr"/>
+            <a:r>
+              <a:rPr lang="ru-RU" dirty="0" smtClean="0"/>
+              <a:t>Арифметика указателей</a:t>
+            </a:r>
+            <a:endParaRPr lang="ru-RU" dirty="0"/>
+          </a:p>
+        </p:txBody>
+      </p:sp>
     </p:spTree>
     <p:extLst>
       <p:ext uri="{BB962C8B-B14F-4D97-AF65-F5344CB8AC3E}">

--- a/Lections/Two/Память, указатели, ссылки, передача параметров в функцию.pptx
+++ b/Lections/Two/Память, указатели, ссылки, передача параметров в функцию.pptx
@@ -5,7 +5,7 @@
     <p:sldMasterId id="2147483648" r:id="rId1"/>
   </p:sldMasterIdLst>
   <p:notesMasterIdLst>
-    <p:notesMasterId r:id="rId19"/>
+    <p:notesMasterId r:id="rId20"/>
   </p:notesMasterIdLst>
   <p:sldIdLst>
     <p:sldId id="256" r:id="rId2"/>
@@ -24,7 +24,8 @@
     <p:sldId id="276" r:id="rId15"/>
     <p:sldId id="269" r:id="rId16"/>
     <p:sldId id="270" r:id="rId17"/>
-    <p:sldId id="271" r:id="rId18"/>
+    <p:sldId id="277" r:id="rId18"/>
+    <p:sldId id="271" r:id="rId19"/>
   </p:sldIdLst>
   <p:sldSz cx="12192000" cy="6858000"/>
   <p:notesSz cx="6858000" cy="9144000"/>
@@ -10619,6 +10620,535 @@
 </file>
 
 <file path=ppt/slides/slide17.xml><?xml version="1.0" encoding="utf-8"?>
+<p:sld xmlns:a="http://schemas.openxmlformats.org/drawingml/2006/main" xmlns:r="http://schemas.openxmlformats.org/officeDocument/2006/relationships" xmlns:p="http://schemas.openxmlformats.org/presentationml/2006/main">
+  <p:cSld>
+    <p:spTree>
+      <p:nvGrpSpPr>
+        <p:cNvPr id="1" name=""/>
+        <p:cNvGrpSpPr/>
+        <p:nvPr/>
+      </p:nvGrpSpPr>
+      <p:grpSpPr>
+        <a:xfrm>
+          <a:off x="0" y="0"/>
+          <a:ext cx="0" cy="0"/>
+          <a:chOff x="0" y="0"/>
+          <a:chExt cx="0" cy="0"/>
+        </a:xfrm>
+      </p:grpSpPr>
+      <p:sp>
+        <p:nvSpPr>
+          <p:cNvPr id="2" name="Прямоугольник 1"/>
+          <p:cNvSpPr/>
+          <p:nvPr/>
+        </p:nvSpPr>
+        <p:spPr>
+          <a:xfrm>
+            <a:off x="5540670" y="0"/>
+            <a:ext cx="1110753" cy="523220"/>
+          </a:xfrm>
+          <a:prstGeom prst="rect">
+            <a:avLst/>
+          </a:prstGeom>
+        </p:spPr>
+        <p:txBody>
+          <a:bodyPr wrap="none">
+            <a:spAutoFit/>
+          </a:bodyPr>
+          <a:lstStyle/>
+          <a:p>
+            <a:pPr algn="ctr"/>
+            <a:r>
+              <a:rPr lang="en-US" sz="2800" b="1" dirty="0" smtClean="0">
+                <a:latin typeface="Calibri" panose="020F0502020204030204" pitchFamily="34" charset="0"/>
+              </a:rPr>
+              <a:t>Static</a:t>
+            </a:r>
+            <a:r>
+              <a:rPr lang="ru-RU" sz="2800" b="1" dirty="0" smtClean="0">
+                <a:latin typeface="Calibri" panose="020F0502020204030204" pitchFamily="34" charset="0"/>
+              </a:rPr>
+              <a:t>.</a:t>
+            </a:r>
+            <a:endParaRPr lang="ru-RU" sz="2800" b="1" dirty="0">
+              <a:latin typeface="Calibri" panose="020F0502020204030204" pitchFamily="34" charset="0"/>
+            </a:endParaRPr>
+          </a:p>
+        </p:txBody>
+      </p:sp>
+      <p:sp>
+        <p:nvSpPr>
+          <p:cNvPr id="3" name="Прямоугольник 2"/>
+          <p:cNvSpPr/>
+          <p:nvPr/>
+        </p:nvSpPr>
+        <p:spPr>
+          <a:xfrm>
+            <a:off x="467763" y="680007"/>
+            <a:ext cx="11256475" cy="3693319"/>
+          </a:xfrm>
+          <a:prstGeom prst="rect">
+            <a:avLst/>
+          </a:prstGeom>
+        </p:spPr>
+        <p:txBody>
+          <a:bodyPr wrap="square">
+            <a:spAutoFit/>
+          </a:bodyPr>
+          <a:lstStyle/>
+          <a:p>
+            <a:r>
+              <a:rPr lang="ru-RU" dirty="0" smtClean="0">
+                <a:latin typeface="Calibri" panose="020F0502020204030204" pitchFamily="34" charset="0"/>
+              </a:rPr>
+              <a:t>Важным упоминания при разговоре о переменных, указателях и памяти так же является ключевое слово</a:t>
+            </a:r>
+            <a:r>
+              <a:rPr lang="en-US" dirty="0" smtClean="0">
+                <a:latin typeface="Calibri" panose="020F0502020204030204" pitchFamily="34" charset="0"/>
+              </a:rPr>
+              <a:t> </a:t>
+            </a:r>
+            <a:r>
+              <a:rPr lang="en-US" dirty="0">
+                <a:solidFill>
+                  <a:srgbClr val="0000FF"/>
+                </a:solidFill>
+                <a:latin typeface="Consolas" panose="020B0609020204030204" pitchFamily="49" charset="0"/>
+              </a:rPr>
+              <a:t>static</a:t>
+            </a:r>
+            <a:r>
+              <a:rPr lang="en-US" dirty="0" smtClean="0">
+                <a:latin typeface="Calibri" panose="020F0502020204030204" pitchFamily="34" charset="0"/>
+              </a:rPr>
+              <a:t> </a:t>
+            </a:r>
+            <a:r>
+              <a:rPr lang="ru-RU" dirty="0" smtClean="0">
+                <a:latin typeface="Calibri" panose="020F0502020204030204" pitchFamily="34" charset="0"/>
+              </a:rPr>
+              <a:t>и его поведение в различных ситуациях. </a:t>
+            </a:r>
+          </a:p>
+          <a:p>
+            <a:endParaRPr lang="ru-RU" dirty="0">
+              <a:latin typeface="Calibri" panose="020F0502020204030204" pitchFamily="34" charset="0"/>
+            </a:endParaRPr>
+          </a:p>
+          <a:p>
+            <a:endParaRPr lang="ru-RU" dirty="0" smtClean="0">
+              <a:latin typeface="Calibri" panose="020F0502020204030204" pitchFamily="34" charset="0"/>
+            </a:endParaRPr>
+          </a:p>
+          <a:p>
+            <a:r>
+              <a:rPr lang="ru-RU" dirty="0" smtClean="0">
+                <a:latin typeface="Calibri" panose="020F0502020204030204" pitchFamily="34" charset="0"/>
+              </a:rPr>
+              <a:t>Выделим 2 ситуации</a:t>
+            </a:r>
+            <a:r>
+              <a:rPr lang="en-US" dirty="0" smtClean="0">
+                <a:latin typeface="Calibri" panose="020F0502020204030204" pitchFamily="34" charset="0"/>
+              </a:rPr>
+              <a:t>:</a:t>
+            </a:r>
+          </a:p>
+          <a:p>
+            <a:endParaRPr lang="en-US" dirty="0">
+              <a:latin typeface="Calibri" panose="020F0502020204030204" pitchFamily="34" charset="0"/>
+            </a:endParaRPr>
+          </a:p>
+          <a:p>
+            <a:pPr marL="342900" indent="-342900">
+              <a:buAutoNum type="arabicPeriod"/>
+            </a:pPr>
+            <a:r>
+              <a:rPr lang="ru-RU" dirty="0" smtClean="0">
+                <a:latin typeface="Calibri" panose="020F0502020204030204" pitchFamily="34" charset="0"/>
+              </a:rPr>
+              <a:t>Объявляем статической переменной глобальную переменную. Тогда эта переменная перестает быть доступной вне файла в котором она определена, </a:t>
+            </a:r>
+            <a:r>
+              <a:rPr lang="ru-RU" dirty="0">
+                <a:latin typeface="Calibri" panose="020F0502020204030204" pitchFamily="34" charset="0"/>
+              </a:rPr>
+              <a:t>и</a:t>
+            </a:r>
+            <a:r>
+              <a:rPr lang="ru-RU" dirty="0" smtClean="0">
+                <a:latin typeface="Calibri" panose="020F0502020204030204" pitchFamily="34" charset="0"/>
+              </a:rPr>
+              <a:t> будет глобальной только для него.</a:t>
+            </a:r>
+          </a:p>
+          <a:p>
+            <a:pPr marL="342900" indent="-342900">
+              <a:buAutoNum type="arabicPeriod"/>
+            </a:pPr>
+            <a:endParaRPr lang="ru-RU" dirty="0">
+              <a:latin typeface="Calibri" panose="020F0502020204030204" pitchFamily="34" charset="0"/>
+            </a:endParaRPr>
+          </a:p>
+          <a:p>
+            <a:pPr marL="342900" indent="-342900">
+              <a:buAutoNum type="arabicPeriod"/>
+            </a:pPr>
+            <a:r>
+              <a:rPr lang="ru-RU" dirty="0" smtClean="0">
+                <a:latin typeface="Calibri" panose="020F0502020204030204" pitchFamily="34" charset="0"/>
+              </a:rPr>
+              <a:t>Объявляем статической переменной локальную переменную внутри функции, тогда такая переменная, в отличии от других переменных не будет уничтожаться после окончания работы функции, а будет существовать на протяжении всего времени исполнения программы. Таким образом ее значение будет сохраняться от одного вызова до другого вызова.</a:t>
+            </a:r>
+            <a:endParaRPr lang="ru-RU" dirty="0" smtClean="0">
+              <a:latin typeface="Calibri" panose="020F0502020204030204" pitchFamily="34" charset="0"/>
+            </a:endParaRPr>
+          </a:p>
+        </p:txBody>
+      </p:sp>
+      <p:sp>
+        <p:nvSpPr>
+          <p:cNvPr id="4" name="Прямоугольник 3"/>
+          <p:cNvSpPr/>
+          <p:nvPr/>
+        </p:nvSpPr>
+        <p:spPr>
+          <a:xfrm>
+            <a:off x="4484066" y="1361213"/>
+            <a:ext cx="3223959" cy="369332"/>
+          </a:xfrm>
+          <a:prstGeom prst="rect">
+            <a:avLst/>
+          </a:prstGeom>
+        </p:spPr>
+        <p:txBody>
+          <a:bodyPr wrap="none">
+            <a:spAutoFit/>
+          </a:bodyPr>
+          <a:lstStyle/>
+          <a:p>
+            <a:r>
+              <a:rPr lang="en-US" dirty="0">
+                <a:solidFill>
+                  <a:srgbClr val="0000FF"/>
+                </a:solidFill>
+                <a:latin typeface="Consolas" panose="020B0609020204030204" pitchFamily="49" charset="0"/>
+              </a:rPr>
+              <a:t>static</a:t>
+            </a:r>
+            <a:r>
+              <a:rPr lang="en-US" dirty="0">
+                <a:solidFill>
+                  <a:srgbClr val="000000"/>
+                </a:solidFill>
+                <a:latin typeface="Consolas" panose="020B0609020204030204" pitchFamily="49" charset="0"/>
+              </a:rPr>
+              <a:t> </a:t>
+            </a:r>
+            <a:r>
+              <a:rPr lang="en-US" dirty="0" smtClean="0">
+                <a:solidFill>
+                  <a:srgbClr val="0000FF"/>
+                </a:solidFill>
+                <a:latin typeface="Consolas" panose="020B0609020204030204" pitchFamily="49" charset="0"/>
+              </a:rPr>
+              <a:t>&lt;</a:t>
+            </a:r>
+            <a:r>
+              <a:rPr lang="ru-RU" dirty="0" smtClean="0">
+                <a:solidFill>
+                  <a:srgbClr val="0000FF"/>
+                </a:solidFill>
+                <a:latin typeface="Consolas" panose="020B0609020204030204" pitchFamily="49" charset="0"/>
+              </a:rPr>
+              <a:t>тип</a:t>
+            </a:r>
+            <a:r>
+              <a:rPr lang="en-US" dirty="0" smtClean="0">
+                <a:solidFill>
+                  <a:srgbClr val="0000FF"/>
+                </a:solidFill>
+                <a:latin typeface="Consolas" panose="020B0609020204030204" pitchFamily="49" charset="0"/>
+              </a:rPr>
+              <a:t>&gt;</a:t>
+            </a:r>
+            <a:r>
+              <a:rPr lang="en-US" dirty="0">
+                <a:solidFill>
+                  <a:srgbClr val="000000"/>
+                </a:solidFill>
+                <a:latin typeface="Consolas" panose="020B0609020204030204" pitchFamily="49" charset="0"/>
+              </a:rPr>
+              <a:t> </a:t>
+            </a:r>
+            <a:r>
+              <a:rPr lang="en-US" dirty="0" smtClean="0">
+                <a:solidFill>
+                  <a:srgbClr val="000000"/>
+                </a:solidFill>
+                <a:latin typeface="Consolas" panose="020B0609020204030204" pitchFamily="49" charset="0"/>
+              </a:rPr>
+              <a:t>&lt;</a:t>
+            </a:r>
+            <a:r>
+              <a:rPr lang="ru-RU" dirty="0" smtClean="0">
+                <a:solidFill>
+                  <a:srgbClr val="000000"/>
+                </a:solidFill>
+                <a:latin typeface="Consolas" panose="020B0609020204030204" pitchFamily="49" charset="0"/>
+              </a:rPr>
+              <a:t>название</a:t>
+            </a:r>
+            <a:r>
+              <a:rPr lang="en-US" dirty="0" smtClean="0">
+                <a:solidFill>
+                  <a:srgbClr val="000000"/>
+                </a:solidFill>
+                <a:latin typeface="Consolas" panose="020B0609020204030204" pitchFamily="49" charset="0"/>
+              </a:rPr>
+              <a:t>&gt;;</a:t>
+            </a:r>
+            <a:endParaRPr lang="en-US" b="0" dirty="0">
+              <a:solidFill>
+                <a:srgbClr val="000000"/>
+              </a:solidFill>
+              <a:effectLst/>
+              <a:latin typeface="Consolas" panose="020B0609020204030204" pitchFamily="49" charset="0"/>
+            </a:endParaRPr>
+          </a:p>
+        </p:txBody>
+      </p:sp>
+      <p:sp>
+        <p:nvSpPr>
+          <p:cNvPr id="5" name="Прямоугольник 4"/>
+          <p:cNvSpPr/>
+          <p:nvPr/>
+        </p:nvSpPr>
+        <p:spPr>
+          <a:xfrm>
+            <a:off x="4157050" y="4530113"/>
+            <a:ext cx="3877901" cy="1477328"/>
+          </a:xfrm>
+          <a:prstGeom prst="rect">
+            <a:avLst/>
+          </a:prstGeom>
+        </p:spPr>
+        <p:txBody>
+          <a:bodyPr wrap="square">
+            <a:spAutoFit/>
+          </a:bodyPr>
+          <a:lstStyle/>
+          <a:p>
+            <a:r>
+              <a:rPr lang="en-US" dirty="0">
+                <a:solidFill>
+                  <a:srgbClr val="0000FF"/>
+                </a:solidFill>
+                <a:latin typeface="Consolas" panose="020B0609020204030204" pitchFamily="49" charset="0"/>
+              </a:rPr>
+              <a:t>void</a:t>
+            </a:r>
+            <a:r>
+              <a:rPr lang="en-US" dirty="0">
+                <a:solidFill>
+                  <a:srgbClr val="000000"/>
+                </a:solidFill>
+                <a:latin typeface="Consolas" panose="020B0609020204030204" pitchFamily="49" charset="0"/>
+              </a:rPr>
+              <a:t> </a:t>
+            </a:r>
+            <a:r>
+              <a:rPr lang="en-US" dirty="0" err="1">
+                <a:solidFill>
+                  <a:srgbClr val="000000"/>
+                </a:solidFill>
+                <a:latin typeface="Consolas" panose="020B0609020204030204" pitchFamily="49" charset="0"/>
+              </a:rPr>
+              <a:t>counted_function</a:t>
+            </a:r>
+            <a:r>
+              <a:rPr lang="en-US" dirty="0">
+                <a:solidFill>
+                  <a:srgbClr val="000000"/>
+                </a:solidFill>
+                <a:latin typeface="Consolas" panose="020B0609020204030204" pitchFamily="49" charset="0"/>
+              </a:rPr>
+              <a:t>(</a:t>
+            </a:r>
+            <a:r>
+              <a:rPr lang="en-US" dirty="0" err="1">
+                <a:solidFill>
+                  <a:srgbClr val="0000FF"/>
+                </a:solidFill>
+                <a:latin typeface="Consolas" panose="020B0609020204030204" pitchFamily="49" charset="0"/>
+              </a:rPr>
+              <a:t>int</a:t>
+            </a:r>
+            <a:r>
+              <a:rPr lang="en-US" dirty="0">
+                <a:solidFill>
+                  <a:srgbClr val="000000"/>
+                </a:solidFill>
+                <a:latin typeface="Consolas" panose="020B0609020204030204" pitchFamily="49" charset="0"/>
+              </a:rPr>
+              <a:t> k){</a:t>
+            </a:r>
+          </a:p>
+          <a:p>
+            <a:r>
+              <a:rPr lang="en-US" dirty="0">
+                <a:solidFill>
+                  <a:srgbClr val="000000"/>
+                </a:solidFill>
+                <a:latin typeface="Consolas" panose="020B0609020204030204" pitchFamily="49" charset="0"/>
+              </a:rPr>
+              <a:t>    </a:t>
+            </a:r>
+            <a:r>
+              <a:rPr lang="en-US" dirty="0">
+                <a:solidFill>
+                  <a:srgbClr val="0000FF"/>
+                </a:solidFill>
+                <a:latin typeface="Consolas" panose="020B0609020204030204" pitchFamily="49" charset="0"/>
+              </a:rPr>
+              <a:t>static</a:t>
+            </a:r>
+            <a:r>
+              <a:rPr lang="en-US" dirty="0">
+                <a:solidFill>
+                  <a:srgbClr val="000000"/>
+                </a:solidFill>
+                <a:latin typeface="Consolas" panose="020B0609020204030204" pitchFamily="49" charset="0"/>
+              </a:rPr>
+              <a:t> </a:t>
+            </a:r>
+            <a:r>
+              <a:rPr lang="en-US" dirty="0" err="1">
+                <a:solidFill>
+                  <a:srgbClr val="0000FF"/>
+                </a:solidFill>
+                <a:latin typeface="Consolas" panose="020B0609020204030204" pitchFamily="49" charset="0"/>
+              </a:rPr>
+              <a:t>int</a:t>
+            </a:r>
+            <a:r>
+              <a:rPr lang="en-US" dirty="0">
+                <a:solidFill>
+                  <a:srgbClr val="000000"/>
+                </a:solidFill>
+                <a:latin typeface="Consolas" panose="020B0609020204030204" pitchFamily="49" charset="0"/>
+              </a:rPr>
+              <a:t> counter = </a:t>
+            </a:r>
+            <a:r>
+              <a:rPr lang="en-US" dirty="0">
+                <a:solidFill>
+                  <a:srgbClr val="098658"/>
+                </a:solidFill>
+                <a:latin typeface="Consolas" panose="020B0609020204030204" pitchFamily="49" charset="0"/>
+              </a:rPr>
+              <a:t>0</a:t>
+            </a:r>
+            <a:r>
+              <a:rPr lang="en-US" dirty="0">
+                <a:solidFill>
+                  <a:srgbClr val="000000"/>
+                </a:solidFill>
+                <a:latin typeface="Consolas" panose="020B0609020204030204" pitchFamily="49" charset="0"/>
+              </a:rPr>
+              <a:t>; </a:t>
+            </a:r>
+          </a:p>
+          <a:p>
+            <a:r>
+              <a:rPr lang="en-US" dirty="0">
+                <a:solidFill>
+                  <a:srgbClr val="000000"/>
+                </a:solidFill>
+                <a:latin typeface="Consolas" panose="020B0609020204030204" pitchFamily="49" charset="0"/>
+              </a:rPr>
+              <a:t>    ++counter;</a:t>
+            </a:r>
+          </a:p>
+          <a:p>
+            <a:r>
+              <a:rPr lang="en-US" dirty="0">
+                <a:solidFill>
+                  <a:srgbClr val="008000"/>
+                </a:solidFill>
+                <a:latin typeface="Consolas" panose="020B0609020204030204" pitchFamily="49" charset="0"/>
+              </a:rPr>
+              <a:t>   // </a:t>
+            </a:r>
+            <a:r>
+              <a:rPr lang="en-US" dirty="0" err="1">
+                <a:solidFill>
+                  <a:srgbClr val="008000"/>
+                </a:solidFill>
+                <a:latin typeface="Consolas" panose="020B0609020204030204" pitchFamily="49" charset="0"/>
+              </a:rPr>
+              <a:t>Блок</a:t>
+            </a:r>
+            <a:r>
+              <a:rPr lang="en-US" dirty="0">
+                <a:solidFill>
+                  <a:srgbClr val="008000"/>
+                </a:solidFill>
+                <a:latin typeface="Consolas" panose="020B0609020204030204" pitchFamily="49" charset="0"/>
+              </a:rPr>
+              <a:t> </a:t>
+            </a:r>
+            <a:r>
+              <a:rPr lang="en-US" dirty="0" err="1">
+                <a:solidFill>
+                  <a:srgbClr val="008000"/>
+                </a:solidFill>
+                <a:latin typeface="Consolas" panose="020B0609020204030204" pitchFamily="49" charset="0"/>
+              </a:rPr>
+              <a:t>кода</a:t>
+            </a:r>
+            <a:endParaRPr lang="en-US" dirty="0">
+              <a:solidFill>
+                <a:srgbClr val="000000"/>
+              </a:solidFill>
+              <a:latin typeface="Consolas" panose="020B0609020204030204" pitchFamily="49" charset="0"/>
+            </a:endParaRPr>
+          </a:p>
+          <a:p>
+            <a:r>
+              <a:rPr lang="en-US" dirty="0">
+                <a:solidFill>
+                  <a:srgbClr val="000000"/>
+                </a:solidFill>
+                <a:latin typeface="Consolas" panose="020B0609020204030204" pitchFamily="49" charset="0"/>
+              </a:rPr>
+              <a:t>}</a:t>
+            </a:r>
+            <a:endParaRPr lang="en-US" b="0" dirty="0">
+              <a:solidFill>
+                <a:srgbClr val="000000"/>
+              </a:solidFill>
+              <a:effectLst/>
+              <a:latin typeface="Consolas" panose="020B0609020204030204" pitchFamily="49" charset="0"/>
+            </a:endParaRPr>
+          </a:p>
+        </p:txBody>
+      </p:sp>
+    </p:spTree>
+    <p:extLst>
+      <p:ext uri="{BB962C8B-B14F-4D97-AF65-F5344CB8AC3E}">
+        <p14:creationId xmlns:p14="http://schemas.microsoft.com/office/powerpoint/2010/main" val="2031363438"/>
+      </p:ext>
+    </p:extLst>
+  </p:cSld>
+  <p:clrMapOvr>
+    <a:masterClrMapping/>
+  </p:clrMapOvr>
+</p:sld>
+</file>
+
+<file path=ppt/slides/slide18.xml><?xml version="1.0" encoding="utf-8"?>
 <p:sld xmlns:a="http://schemas.openxmlformats.org/drawingml/2006/main" xmlns:r="http://schemas.openxmlformats.org/officeDocument/2006/relationships" xmlns:p="http://schemas.openxmlformats.org/presentationml/2006/main">
   <p:cSld>
     <p:spTree>

--- a/Lections/Two/Память, указатели, ссылки, передача параметров в функцию.pptx
+++ b/Lections/Two/Память, указатели, ссылки, передача параметров в функцию.pptx
@@ -214,7 +214,7 @@
           <a:p>
             <a:fld id="{A8655AC4-5CA5-44BA-A2FA-C6B5599E86AD}" type="datetimeFigureOut">
               <a:rPr lang="ru-RU" smtClean="0"/>
-              <a:t>12.09.2020</a:t>
+              <a:t>15.09.2020</a:t>
             </a:fld>
             <a:endParaRPr lang="ru-RU"/>
           </a:p>
@@ -613,7 +613,7 @@
           <a:p>
             <a:fld id="{87D644A0-8973-438C-9519-2E284ACDF610}" type="datetimeFigureOut">
               <a:rPr lang="ru-RU" smtClean="0"/>
-              <a:t>12.09.2020</a:t>
+              <a:t>15.09.2020</a:t>
             </a:fld>
             <a:endParaRPr lang="ru-RU"/>
           </a:p>
@@ -783,7 +783,7 @@
           <a:p>
             <a:fld id="{87D644A0-8973-438C-9519-2E284ACDF610}" type="datetimeFigureOut">
               <a:rPr lang="ru-RU" smtClean="0"/>
-              <a:t>12.09.2020</a:t>
+              <a:t>15.09.2020</a:t>
             </a:fld>
             <a:endParaRPr lang="ru-RU"/>
           </a:p>
@@ -963,7 +963,7 @@
           <a:p>
             <a:fld id="{87D644A0-8973-438C-9519-2E284ACDF610}" type="datetimeFigureOut">
               <a:rPr lang="ru-RU" smtClean="0"/>
-              <a:t>12.09.2020</a:t>
+              <a:t>15.09.2020</a:t>
             </a:fld>
             <a:endParaRPr lang="ru-RU"/>
           </a:p>
@@ -1133,7 +1133,7 @@
           <a:p>
             <a:fld id="{87D644A0-8973-438C-9519-2E284ACDF610}" type="datetimeFigureOut">
               <a:rPr lang="ru-RU" smtClean="0"/>
-              <a:t>12.09.2020</a:t>
+              <a:t>15.09.2020</a:t>
             </a:fld>
             <a:endParaRPr lang="ru-RU"/>
           </a:p>
@@ -1379,7 +1379,7 @@
           <a:p>
             <a:fld id="{87D644A0-8973-438C-9519-2E284ACDF610}" type="datetimeFigureOut">
               <a:rPr lang="ru-RU" smtClean="0"/>
-              <a:t>12.09.2020</a:t>
+              <a:t>15.09.2020</a:t>
             </a:fld>
             <a:endParaRPr lang="ru-RU"/>
           </a:p>
@@ -1611,7 +1611,7 @@
           <a:p>
             <a:fld id="{87D644A0-8973-438C-9519-2E284ACDF610}" type="datetimeFigureOut">
               <a:rPr lang="ru-RU" smtClean="0"/>
-              <a:t>12.09.2020</a:t>
+              <a:t>15.09.2020</a:t>
             </a:fld>
             <a:endParaRPr lang="ru-RU"/>
           </a:p>
@@ -1978,7 +1978,7 @@
           <a:p>
             <a:fld id="{87D644A0-8973-438C-9519-2E284ACDF610}" type="datetimeFigureOut">
               <a:rPr lang="ru-RU" smtClean="0"/>
-              <a:t>12.09.2020</a:t>
+              <a:t>15.09.2020</a:t>
             </a:fld>
             <a:endParaRPr lang="ru-RU"/>
           </a:p>
@@ -2096,7 +2096,7 @@
           <a:p>
             <a:fld id="{87D644A0-8973-438C-9519-2E284ACDF610}" type="datetimeFigureOut">
               <a:rPr lang="ru-RU" smtClean="0"/>
-              <a:t>12.09.2020</a:t>
+              <a:t>15.09.2020</a:t>
             </a:fld>
             <a:endParaRPr lang="ru-RU"/>
           </a:p>
@@ -2191,7 +2191,7 @@
           <a:p>
             <a:fld id="{87D644A0-8973-438C-9519-2E284ACDF610}" type="datetimeFigureOut">
               <a:rPr lang="ru-RU" smtClean="0"/>
-              <a:t>12.09.2020</a:t>
+              <a:t>15.09.2020</a:t>
             </a:fld>
             <a:endParaRPr lang="ru-RU"/>
           </a:p>
@@ -2468,7 +2468,7 @@
           <a:p>
             <a:fld id="{87D644A0-8973-438C-9519-2E284ACDF610}" type="datetimeFigureOut">
               <a:rPr lang="ru-RU" smtClean="0"/>
-              <a:t>12.09.2020</a:t>
+              <a:t>15.09.2020</a:t>
             </a:fld>
             <a:endParaRPr lang="ru-RU"/>
           </a:p>
@@ -2721,7 +2721,7 @@
           <a:p>
             <a:fld id="{87D644A0-8973-438C-9519-2E284ACDF610}" type="datetimeFigureOut">
               <a:rPr lang="ru-RU" smtClean="0"/>
-              <a:t>12.09.2020</a:t>
+              <a:t>15.09.2020</a:t>
             </a:fld>
             <a:endParaRPr lang="ru-RU"/>
           </a:p>
@@ -2934,7 +2934,7 @@
           <a:p>
             <a:fld id="{87D644A0-8973-438C-9519-2E284ACDF610}" type="datetimeFigureOut">
               <a:rPr lang="ru-RU" smtClean="0"/>
-              <a:t>12.09.2020</a:t>
+              <a:t>15.09.2020</a:t>
             </a:fld>
             <a:endParaRPr lang="ru-RU"/>
           </a:p>
@@ -10801,9 +10801,6 @@
               </a:rPr>
               <a:t>Объявляем статической переменной локальную переменную внутри функции, тогда такая переменная, в отличии от других переменных не будет уничтожаться после окончания работы функции, а будет существовать на протяжении всего времени исполнения программы. Таким образом ее значение будет сохраняться от одного вызова до другого вызова.</a:t>
             </a:r>
-            <a:endParaRPr lang="ru-RU" dirty="0" smtClean="0">
-              <a:latin typeface="Calibri" panose="020F0502020204030204" pitchFamily="34" charset="0"/>
-            </a:endParaRPr>
           </a:p>
         </p:txBody>
       </p:sp>
@@ -11296,13 +11293,7 @@
               <a:rPr lang="ru-RU" sz="2800" b="1" dirty="0" smtClean="0">
                 <a:latin typeface="Calibri" panose="020F0502020204030204" pitchFamily="34" charset="0"/>
               </a:rPr>
-              <a:t>Как работает </a:t>
-            </a:r>
-            <a:r>
-              <a:rPr lang="ru-RU" sz="2800" b="1" dirty="0" smtClean="0">
-                <a:latin typeface="Calibri" panose="020F0502020204030204" pitchFamily="34" charset="0"/>
-              </a:rPr>
-              <a:t>гит</a:t>
+              <a:t>Как работает гит</a:t>
             </a:r>
             <a:endParaRPr lang="ru-RU" sz="2800" b="1" dirty="0">
               <a:latin typeface="Calibri" panose="020F0502020204030204" pitchFamily="34" charset="0"/>
@@ -11419,13 +11410,7 @@
               <a:rPr lang="ru-RU" sz="2800" b="1" dirty="0" smtClean="0">
                 <a:latin typeface="Calibri" panose="020F0502020204030204" pitchFamily="34" charset="0"/>
               </a:rPr>
-              <a:t>Как работает </a:t>
-            </a:r>
-            <a:r>
-              <a:rPr lang="ru-RU" sz="2800" b="1" dirty="0" smtClean="0">
-                <a:latin typeface="Calibri" panose="020F0502020204030204" pitchFamily="34" charset="0"/>
-              </a:rPr>
-              <a:t>гит</a:t>
+              <a:t>Как работает гит</a:t>
             </a:r>
             <a:endParaRPr lang="ru-RU" sz="2800" b="1" dirty="0">
               <a:latin typeface="Calibri" panose="020F0502020204030204" pitchFamily="34" charset="0"/>
@@ -15170,7 +15155,16 @@
                   </a:solidFill>
                   <a:cs typeface="Times New Roman" panose="02020603050405020304" pitchFamily="18" charset="0"/>
                 </a:rPr>
-                <a:t>12</a:t>
+                <a:t>1</a:t>
+              </a:r>
+              <a:r>
+                <a:rPr lang="en-US" sz="1000" spc="-150" dirty="0" smtClean="0">
+                  <a:solidFill>
+                    <a:schemeClr val="tx1"/>
+                  </a:solidFill>
+                  <a:cs typeface="Times New Roman" panose="02020603050405020304" pitchFamily="18" charset="0"/>
+                </a:rPr>
+                <a:t>3</a:t>
               </a:r>
               <a:endParaRPr lang="ru-RU" sz="1000" spc="-150" dirty="0">
                 <a:solidFill>
@@ -16371,7 +16365,16 @@
                     </a:solidFill>
                     <a:cs typeface="Times New Roman" panose="02020603050405020304" pitchFamily="18" charset="0"/>
                   </a:rPr>
-                  <a:t>12</a:t>
+                  <a:t>1</a:t>
+                </a:r>
+                <a:r>
+                  <a:rPr lang="en-US" sz="1000" spc="-150" dirty="0" smtClean="0">
+                    <a:solidFill>
+                      <a:schemeClr val="tx1"/>
+                    </a:solidFill>
+                    <a:cs typeface="Times New Roman" panose="02020603050405020304" pitchFamily="18" charset="0"/>
+                  </a:rPr>
+                  <a:t>3</a:t>
                 </a:r>
                 <a:endParaRPr lang="ru-RU" sz="1000" spc="-150" dirty="0">
                   <a:solidFill>
@@ -17705,7 +17708,16 @@
                     </a:solidFill>
                     <a:cs typeface="Times New Roman" panose="02020603050405020304" pitchFamily="18" charset="0"/>
                   </a:rPr>
-                  <a:t>12</a:t>
+                  <a:t>1</a:t>
+                </a:r>
+                <a:r>
+                  <a:rPr lang="en-US" sz="1000" spc="-150" dirty="0" smtClean="0">
+                    <a:solidFill>
+                      <a:schemeClr val="tx1"/>
+                    </a:solidFill>
+                    <a:cs typeface="Times New Roman" panose="02020603050405020304" pitchFamily="18" charset="0"/>
+                  </a:rPr>
+                  <a:t>3</a:t>
                 </a:r>
                 <a:endParaRPr lang="ru-RU" sz="1000" spc="-150" dirty="0">
                   <a:solidFill>
@@ -18703,7 +18715,7 @@
                       <a:schemeClr val="tx1"/>
                     </a:solidFill>
                   </a:rPr>
-                  <a:t>1</a:t>
+                  <a:t>4</a:t>
                 </a:r>
                 <a:endParaRPr lang="ru-RU" dirty="0">
                   <a:solidFill>
@@ -18750,12 +18762,12 @@
               <a:p>
                 <a:pPr algn="ctr"/>
                 <a:r>
-                  <a:rPr lang="en-US" dirty="0" smtClean="0">
+                  <a:rPr lang="en-US" dirty="0">
                     <a:solidFill>
                       <a:schemeClr val="tx1"/>
                     </a:solidFill>
                   </a:rPr>
-                  <a:t>2</a:t>
+                  <a:t>5</a:t>
                 </a:r>
                 <a:endParaRPr lang="ru-RU" dirty="0">
                   <a:solidFill>
@@ -18807,7 +18819,7 @@
                       <a:schemeClr val="tx1"/>
                     </a:solidFill>
                   </a:rPr>
-                  <a:t>3</a:t>
+                  <a:t>6</a:t>
                 </a:r>
                 <a:endParaRPr lang="ru-RU" dirty="0">
                   <a:solidFill>
@@ -18859,7 +18871,7 @@
                       <a:schemeClr val="tx1"/>
                     </a:solidFill>
                   </a:rPr>
-                  <a:t>4</a:t>
+                  <a:t>7</a:t>
                 </a:r>
                 <a:endParaRPr lang="ru-RU" dirty="0">
                   <a:solidFill>
@@ -20005,7 +20017,16 @@
                     </a:solidFill>
                     <a:cs typeface="Times New Roman" panose="02020603050405020304" pitchFamily="18" charset="0"/>
                   </a:rPr>
-                  <a:t>12</a:t>
+                  <a:t>1</a:t>
+                </a:r>
+                <a:r>
+                  <a:rPr lang="en-US" sz="1000" spc="-150" dirty="0" smtClean="0">
+                    <a:solidFill>
+                      <a:schemeClr val="tx1"/>
+                    </a:solidFill>
+                    <a:cs typeface="Times New Roman" panose="02020603050405020304" pitchFamily="18" charset="0"/>
+                  </a:rPr>
+                  <a:t>3</a:t>
                 </a:r>
                 <a:endParaRPr lang="ru-RU" sz="1000" spc="-150" dirty="0">
                   <a:solidFill>
@@ -21649,7 +21670,16 @@
                     </a:solidFill>
                     <a:cs typeface="Times New Roman" panose="02020603050405020304" pitchFamily="18" charset="0"/>
                   </a:rPr>
-                  <a:t>12</a:t>
+                  <a:t>1</a:t>
+                </a:r>
+                <a:r>
+                  <a:rPr lang="en-US" sz="1000" spc="-150" dirty="0" smtClean="0">
+                    <a:solidFill>
+                      <a:schemeClr val="tx1"/>
+                    </a:solidFill>
+                    <a:cs typeface="Times New Roman" panose="02020603050405020304" pitchFamily="18" charset="0"/>
+                  </a:rPr>
+                  <a:t>3</a:t>
                 </a:r>
                 <a:endParaRPr lang="ru-RU" sz="1000" spc="-150" dirty="0">
                   <a:solidFill>
@@ -22903,9 +22933,9 @@
         <p:grpSpPr>
           <a:xfrm>
             <a:off x="1613049" y="707034"/>
-            <a:ext cx="8965948" cy="3970318"/>
+            <a:ext cx="8965948" cy="5632311"/>
             <a:chOff x="730313" y="1452894"/>
-            <a:chExt cx="8965948" cy="3970318"/>
+            <a:chExt cx="8965948" cy="5632311"/>
           </a:xfrm>
         </p:grpSpPr>
         <p:sp>
@@ -22917,7 +22947,7 @@
           <p:spPr>
             <a:xfrm>
               <a:off x="730313" y="1452894"/>
-              <a:ext cx="6096000" cy="3970318"/>
+              <a:ext cx="6096000" cy="5632311"/>
             </a:xfrm>
             <a:prstGeom prst="rect">
               <a:avLst/>
@@ -23115,68 +23145,13 @@
               </a:r>
             </a:p>
             <a:p>
-              <a:r>
-                <a:rPr lang="en-US" b="0" dirty="0" err="1" smtClean="0">
-                  <a:solidFill>
-                    <a:srgbClr val="0000FF"/>
-                  </a:solidFill>
-                  <a:effectLst/>
-                  <a:latin typeface="Consolas" panose="020B0609020204030204" pitchFamily="49" charset="0"/>
-                </a:rPr>
-                <a:t>int</a:t>
-              </a:r>
-              <a:r>
-                <a:rPr lang="en-US" b="0" dirty="0" smtClean="0">
-                  <a:solidFill>
-                    <a:srgbClr val="000000"/>
-                  </a:solidFill>
-                  <a:effectLst/>
-                  <a:latin typeface="Consolas" panose="020B0609020204030204" pitchFamily="49" charset="0"/>
-                </a:rPr>
-                <a:t> * p2 = &amp;mass[</a:t>
-              </a:r>
-              <a:r>
-                <a:rPr lang="en-US" b="0" dirty="0" smtClean="0">
-                  <a:solidFill>
-                    <a:srgbClr val="098658"/>
-                  </a:solidFill>
-                  <a:effectLst/>
-                  <a:latin typeface="Consolas" panose="020B0609020204030204" pitchFamily="49" charset="0"/>
-                </a:rPr>
-                <a:t>0</a:t>
-              </a:r>
-              <a:r>
-                <a:rPr lang="en-US" b="0" dirty="0" smtClean="0">
-                  <a:solidFill>
-                    <a:srgbClr val="000000"/>
-                  </a:solidFill>
-                  <a:effectLst/>
-                  <a:latin typeface="Consolas" panose="020B0609020204030204" pitchFamily="49" charset="0"/>
-                </a:rPr>
-                <a:t>];</a:t>
-              </a:r>
-            </a:p>
-            <a:p>
-              <a:r>
-                <a:rPr lang="en-US" b="0" dirty="0" smtClean="0">
-                  <a:solidFill>
-                    <a:srgbClr val="0000FF"/>
-                  </a:solidFill>
-                  <a:effectLst/>
-                  <a:latin typeface="Consolas" panose="020B0609020204030204" pitchFamily="49" charset="0"/>
-                </a:rPr>
-                <a:t>void</a:t>
-              </a:r>
-              <a:r>
-                <a:rPr lang="en-US" b="0" dirty="0" smtClean="0">
-                  <a:solidFill>
-                    <a:srgbClr val="000000"/>
-                  </a:solidFill>
-                  <a:effectLst/>
-                  <a:latin typeface="Consolas" panose="020B0609020204030204" pitchFamily="49" charset="0"/>
-                </a:rPr>
-                <a:t> *p3 = mass;</a:t>
-              </a:r>
+              <a:endParaRPr lang="en-US" b="0" dirty="0" smtClean="0">
+                <a:solidFill>
+                  <a:srgbClr val="000000"/>
+                </a:solidFill>
+                <a:effectLst/>
+                <a:latin typeface="Consolas" panose="020B0609020204030204" pitchFamily="49" charset="0"/>
+              </a:endParaRPr>
             </a:p>
             <a:p>
               <a:r>
@@ -23614,6 +23589,250 @@
             </a:p>
             <a:p>
               <a:r>
+                <a:rPr lang="fr-FR" dirty="0">
+                  <a:solidFill>
+                    <a:srgbClr val="000000"/>
+                  </a:solidFill>
+                  <a:latin typeface="Consolas" panose="020B0609020204030204" pitchFamily="49" charset="0"/>
+                </a:rPr>
+                <a:t>cout &lt;&lt; *mass + </a:t>
+              </a:r>
+              <a:r>
+                <a:rPr lang="fr-FR" dirty="0">
+                  <a:solidFill>
+                    <a:srgbClr val="098658"/>
+                  </a:solidFill>
+                  <a:latin typeface="Consolas" panose="020B0609020204030204" pitchFamily="49" charset="0"/>
+                </a:rPr>
+                <a:t>10</a:t>
+              </a:r>
+              <a:r>
+                <a:rPr lang="fr-FR" dirty="0">
+                  <a:solidFill>
+                    <a:srgbClr val="000000"/>
+                  </a:solidFill>
+                  <a:latin typeface="Consolas" panose="020B0609020204030204" pitchFamily="49" charset="0"/>
+                </a:rPr>
+                <a:t> &lt;&lt; endl;</a:t>
+              </a:r>
+            </a:p>
+            <a:p>
+              <a:r>
+                <a:rPr lang="fr-FR" dirty="0">
+                  <a:solidFill>
+                    <a:srgbClr val="000000"/>
+                  </a:solidFill>
+                  <a:latin typeface="Consolas" panose="020B0609020204030204" pitchFamily="49" charset="0"/>
+                </a:rPr>
+                <a:t>cout &lt;&lt; mass[</a:t>
+              </a:r>
+              <a:r>
+                <a:rPr lang="fr-FR" dirty="0">
+                  <a:solidFill>
+                    <a:srgbClr val="098658"/>
+                  </a:solidFill>
+                  <a:latin typeface="Consolas" panose="020B0609020204030204" pitchFamily="49" charset="0"/>
+                </a:rPr>
+                <a:t>0</a:t>
+              </a:r>
+              <a:r>
+                <a:rPr lang="fr-FR" dirty="0">
+                  <a:solidFill>
+                    <a:srgbClr val="000000"/>
+                  </a:solidFill>
+                  <a:latin typeface="Consolas" panose="020B0609020204030204" pitchFamily="49" charset="0"/>
+                </a:rPr>
+                <a:t>] + </a:t>
+              </a:r>
+              <a:r>
+                <a:rPr lang="fr-FR" dirty="0">
+                  <a:solidFill>
+                    <a:srgbClr val="098658"/>
+                  </a:solidFill>
+                  <a:latin typeface="Consolas" panose="020B0609020204030204" pitchFamily="49" charset="0"/>
+                </a:rPr>
+                <a:t>10</a:t>
+              </a:r>
+              <a:r>
+                <a:rPr lang="fr-FR" dirty="0">
+                  <a:solidFill>
+                    <a:srgbClr val="000000"/>
+                  </a:solidFill>
+                  <a:latin typeface="Consolas" panose="020B0609020204030204" pitchFamily="49" charset="0"/>
+                </a:rPr>
+                <a:t> &lt;&lt; endl; </a:t>
+              </a:r>
+            </a:p>
+            <a:p>
+              <a:r>
+                <a:rPr lang="fr-FR" dirty="0">
+                  <a:solidFill>
+                    <a:srgbClr val="000000"/>
+                  </a:solidFill>
+                  <a:latin typeface="Consolas" panose="020B0609020204030204" pitchFamily="49" charset="0"/>
+                </a:rPr>
+                <a:t>cout &lt;&lt; *(p + </a:t>
+              </a:r>
+              <a:r>
+                <a:rPr lang="fr-FR" dirty="0">
+                  <a:solidFill>
+                    <a:srgbClr val="098658"/>
+                  </a:solidFill>
+                  <a:latin typeface="Consolas" panose="020B0609020204030204" pitchFamily="49" charset="0"/>
+                </a:rPr>
+                <a:t>1</a:t>
+              </a:r>
+              <a:r>
+                <a:rPr lang="fr-FR" dirty="0">
+                  <a:solidFill>
+                    <a:srgbClr val="000000"/>
+                  </a:solidFill>
+                  <a:latin typeface="Consolas" panose="020B0609020204030204" pitchFamily="49" charset="0"/>
+                </a:rPr>
+                <a:t>) + </a:t>
+              </a:r>
+              <a:r>
+                <a:rPr lang="fr-FR" dirty="0">
+                  <a:solidFill>
+                    <a:srgbClr val="098658"/>
+                  </a:solidFill>
+                  <a:latin typeface="Consolas" panose="020B0609020204030204" pitchFamily="49" charset="0"/>
+                </a:rPr>
+                <a:t>10</a:t>
+              </a:r>
+              <a:r>
+                <a:rPr lang="fr-FR" dirty="0">
+                  <a:solidFill>
+                    <a:srgbClr val="000000"/>
+                  </a:solidFill>
+                  <a:latin typeface="Consolas" panose="020B0609020204030204" pitchFamily="49" charset="0"/>
+                </a:rPr>
+                <a:t> &lt;&lt; endl; </a:t>
+              </a:r>
+            </a:p>
+            <a:p>
+              <a:r>
+                <a:rPr lang="fr-FR" dirty="0">
+                  <a:solidFill>
+                    <a:srgbClr val="000000"/>
+                  </a:solidFill>
+                  <a:latin typeface="Consolas" panose="020B0609020204030204" pitchFamily="49" charset="0"/>
+                </a:rPr>
+                <a:t>*(p + </a:t>
+              </a:r>
+              <a:r>
+                <a:rPr lang="fr-FR" dirty="0">
+                  <a:solidFill>
+                    <a:srgbClr val="098658"/>
+                  </a:solidFill>
+                  <a:latin typeface="Consolas" panose="020B0609020204030204" pitchFamily="49" charset="0"/>
+                </a:rPr>
+                <a:t>1</a:t>
+              </a:r>
+              <a:r>
+                <a:rPr lang="fr-FR" dirty="0">
+                  <a:solidFill>
+                    <a:srgbClr val="000000"/>
+                  </a:solidFill>
+                  <a:latin typeface="Consolas" panose="020B0609020204030204" pitchFamily="49" charset="0"/>
+                </a:rPr>
+                <a:t>) = </a:t>
+              </a:r>
+              <a:r>
+                <a:rPr lang="fr-FR" dirty="0">
+                  <a:solidFill>
+                    <a:srgbClr val="098658"/>
+                  </a:solidFill>
+                  <a:latin typeface="Consolas" panose="020B0609020204030204" pitchFamily="49" charset="0"/>
+                </a:rPr>
+                <a:t>11</a:t>
+              </a:r>
+              <a:r>
+                <a:rPr lang="fr-FR" dirty="0">
+                  <a:solidFill>
+                    <a:srgbClr val="000000"/>
+                  </a:solidFill>
+                  <a:latin typeface="Consolas" panose="020B0609020204030204" pitchFamily="49" charset="0"/>
+                </a:rPr>
+                <a:t>;</a:t>
+              </a:r>
+            </a:p>
+            <a:p>
+              <a:r>
+                <a:rPr lang="fr-FR" dirty="0">
+                  <a:solidFill>
+                    <a:srgbClr val="000000"/>
+                  </a:solidFill>
+                  <a:latin typeface="Consolas" panose="020B0609020204030204" pitchFamily="49" charset="0"/>
+                </a:rPr>
+                <a:t>cout &lt;&lt; mass[</a:t>
+              </a:r>
+              <a:r>
+                <a:rPr lang="fr-FR" dirty="0">
+                  <a:solidFill>
+                    <a:srgbClr val="098658"/>
+                  </a:solidFill>
+                  <a:latin typeface="Consolas" panose="020B0609020204030204" pitchFamily="49" charset="0"/>
+                </a:rPr>
+                <a:t>1</a:t>
+              </a:r>
+              <a:r>
+                <a:rPr lang="fr-FR" dirty="0">
+                  <a:solidFill>
+                    <a:srgbClr val="000000"/>
+                  </a:solidFill>
+                  <a:latin typeface="Consolas" panose="020B0609020204030204" pitchFamily="49" charset="0"/>
+                </a:rPr>
+                <a:t>] &lt;&lt; endl;</a:t>
+              </a:r>
+            </a:p>
+            <a:p>
+              <a:endParaRPr lang="en-US" b="0" dirty="0" smtClean="0">
+                <a:solidFill>
+                  <a:srgbClr val="000000"/>
+                </a:solidFill>
+                <a:effectLst/>
+                <a:latin typeface="Consolas" panose="020B0609020204030204" pitchFamily="49" charset="0"/>
+              </a:endParaRPr>
+            </a:p>
+            <a:p>
+              <a:r>
+                <a:rPr lang="en-US" dirty="0">
+                  <a:solidFill>
+                    <a:srgbClr val="0000FF"/>
+                  </a:solidFill>
+                  <a:latin typeface="Consolas" panose="020B0609020204030204" pitchFamily="49" charset="0"/>
+                </a:rPr>
+                <a:t>void</a:t>
+              </a:r>
+              <a:r>
+                <a:rPr lang="en-US" dirty="0">
+                  <a:solidFill>
+                    <a:srgbClr val="000000"/>
+                  </a:solidFill>
+                  <a:latin typeface="Consolas" panose="020B0609020204030204" pitchFamily="49" charset="0"/>
+                </a:rPr>
+                <a:t> *p3 = mass</a:t>
+              </a:r>
+              <a:r>
+                <a:rPr lang="en-US" dirty="0" smtClean="0">
+                  <a:solidFill>
+                    <a:srgbClr val="000000"/>
+                  </a:solidFill>
+                  <a:latin typeface="Consolas" panose="020B0609020204030204" pitchFamily="49" charset="0"/>
+                </a:rPr>
+                <a:t>;</a:t>
+              </a:r>
+              <a:endParaRPr lang="en-US" b="0" dirty="0" smtClean="0">
+                <a:solidFill>
+                  <a:srgbClr val="000000"/>
+                </a:solidFill>
+                <a:effectLst/>
+                <a:latin typeface="Consolas" panose="020B0609020204030204" pitchFamily="49" charset="0"/>
+              </a:endParaRPr>
+            </a:p>
+            <a:p>
+              <a:r>
                 <a:rPr lang="en-US" b="0" dirty="0" err="1" smtClean="0">
                   <a:solidFill>
                     <a:srgbClr val="000000"/>
@@ -23631,7 +23850,27 @@
                   <a:effectLst/>
                   <a:latin typeface="Consolas" panose="020B0609020204030204" pitchFamily="49" charset="0"/>
                 </a:rPr>
-                <a:t> &lt;&lt; *(p2 + </a:t>
+                <a:t> &lt;&lt; *(</a:t>
+              </a:r>
+              <a:r>
+                <a:rPr lang="en-US" b="0" dirty="0" smtClean="0">
+                  <a:solidFill>
+                    <a:srgbClr val="000000"/>
+                  </a:solidFill>
+                  <a:effectLst/>
+                  <a:latin typeface="Consolas" panose="020B0609020204030204" pitchFamily="49" charset="0"/>
+                </a:rPr>
+                <a:t>p</a:t>
+              </a:r>
+              <a:r>
+                <a:rPr lang="en-US" b="0" dirty="0" smtClean="0">
+                  <a:solidFill>
+                    <a:srgbClr val="000000"/>
+                  </a:solidFill>
+                  <a:effectLst/>
+                  <a:latin typeface="Consolas" panose="020B0609020204030204" pitchFamily="49" charset="0"/>
+                </a:rPr>
+                <a:t> + </a:t>
               </a:r>
               <a:r>
                 <a:rPr lang="en-US" b="0" dirty="0" err="1" smtClean="0">
@@ -23813,8 +24052,8 @@
           </p:nvSpPr>
           <p:spPr>
             <a:xfrm>
-              <a:off x="8299009" y="2837889"/>
-              <a:ext cx="1397252" cy="2585323"/>
+              <a:off x="8299009" y="2560890"/>
+              <a:ext cx="1397252" cy="4524315"/>
             </a:xfrm>
             <a:prstGeom prst="rect">
               <a:avLst/>
@@ -23869,9 +24108,44 @@
             </a:p>
             <a:p>
               <a:r>
+                <a:rPr lang="ru-RU" dirty="0"/>
+                <a:t>13</a:t>
+              </a:r>
+            </a:p>
+            <a:p>
+              <a:r>
+                <a:rPr lang="ru-RU" dirty="0"/>
+                <a:t>13</a:t>
+              </a:r>
+            </a:p>
+            <a:p>
+              <a:r>
+                <a:rPr lang="ru-RU" dirty="0"/>
+                <a:t>15</a:t>
+              </a:r>
+              <a:endParaRPr lang="en-US" dirty="0"/>
+            </a:p>
+            <a:p>
+              <a:endParaRPr lang="ru-RU" dirty="0"/>
+            </a:p>
+            <a:p>
+              <a:r>
+                <a:rPr lang="ru-RU" dirty="0"/>
+                <a:t>11</a:t>
+              </a:r>
+            </a:p>
+            <a:p>
+              <a:endParaRPr lang="en-US" dirty="0" smtClean="0"/>
+            </a:p>
+            <a:p>
+              <a:endParaRPr lang="en-US" dirty="0"/>
+            </a:p>
+            <a:p>
+              <a:r>
                 <a:rPr lang="ru-RU" dirty="0" smtClean="0"/>
                 <a:t>6422000</a:t>
               </a:r>
+              <a:endParaRPr lang="ru-RU" dirty="0" smtClean="0"/>
             </a:p>
             <a:p>
               <a:r>
@@ -23890,7 +24164,7 @@
           </p:nvCxnSpPr>
           <p:spPr>
             <a:xfrm>
-              <a:off x="730313" y="5423212"/>
+              <a:off x="793687" y="5033618"/>
               <a:ext cx="8902574" cy="0"/>
             </a:xfrm>
             <a:prstGeom prst="line">
@@ -23920,7 +24194,7 @@
           </p:nvCxnSpPr>
           <p:spPr>
             <a:xfrm>
-              <a:off x="730313" y="5077671"/>
+              <a:off x="762000" y="4787961"/>
               <a:ext cx="8902574" cy="0"/>
             </a:xfrm>
             <a:prstGeom prst="line">
@@ -23950,7 +24224,7 @@
           </p:nvCxnSpPr>
           <p:spPr>
             <a:xfrm>
-              <a:off x="730313" y="4804558"/>
+              <a:off x="793687" y="4523901"/>
               <a:ext cx="8902574" cy="0"/>
             </a:xfrm>
             <a:prstGeom prst="line">
@@ -23980,7 +24254,7 @@
           </p:nvCxnSpPr>
           <p:spPr>
             <a:xfrm>
-              <a:off x="730313" y="4532954"/>
+              <a:off x="793687" y="4197976"/>
               <a:ext cx="8902574" cy="0"/>
             </a:xfrm>
             <a:prstGeom prst="line">
@@ -24010,7 +24284,7 @@
           </p:nvCxnSpPr>
           <p:spPr>
             <a:xfrm>
-              <a:off x="730313" y="4270403"/>
+              <a:off x="793687" y="3971638"/>
               <a:ext cx="8902574" cy="0"/>
             </a:xfrm>
             <a:prstGeom prst="line">
@@ -24040,7 +24314,7 @@
           </p:nvCxnSpPr>
           <p:spPr>
             <a:xfrm>
-              <a:off x="730313" y="3998799"/>
+              <a:off x="793687" y="3668528"/>
               <a:ext cx="8902574" cy="0"/>
             </a:xfrm>
             <a:prstGeom prst="line">
@@ -24070,7 +24344,7 @@
           </p:nvCxnSpPr>
           <p:spPr>
             <a:xfrm>
-              <a:off x="730313" y="3709089"/>
+              <a:off x="762000" y="3446539"/>
               <a:ext cx="8902574" cy="0"/>
             </a:xfrm>
             <a:prstGeom prst="line">
@@ -24100,7 +24374,7 @@
           </p:nvCxnSpPr>
           <p:spPr>
             <a:xfrm>
-              <a:off x="793687" y="3438053"/>
+              <a:off x="793687" y="3157395"/>
               <a:ext cx="8902574" cy="0"/>
             </a:xfrm>
             <a:prstGeom prst="line">
@@ -24130,7 +24404,7 @@
           </p:nvCxnSpPr>
           <p:spPr>
             <a:xfrm>
-              <a:off x="793687" y="3165880"/>
+              <a:off x="762000" y="2876169"/>
               <a:ext cx="8902574" cy="0"/>
             </a:xfrm>
             <a:prstGeom prst="line">
@@ -24187,441 +24461,6 @@
           </a:p>
         </p:txBody>
       </p:sp>
-      <p:grpSp>
-        <p:nvGrpSpPr>
-          <p:cNvPr id="25" name="Группа 24"/>
-          <p:cNvGrpSpPr/>
-          <p:nvPr/>
-        </p:nvGrpSpPr>
-        <p:grpSpPr>
-          <a:xfrm>
-            <a:off x="1613049" y="5005343"/>
-            <a:ext cx="8902574" cy="1480098"/>
-            <a:chOff x="1613049" y="5207535"/>
-            <a:chExt cx="8902574" cy="1480098"/>
-          </a:xfrm>
-        </p:grpSpPr>
-        <p:sp>
-          <p:nvSpPr>
-            <p:cNvPr id="18" name="Прямоугольник 17"/>
-            <p:cNvSpPr/>
-            <p:nvPr/>
-          </p:nvSpPr>
-          <p:spPr>
-            <a:xfrm>
-              <a:off x="1613049" y="5210305"/>
-              <a:ext cx="6096000" cy="1477328"/>
-            </a:xfrm>
-            <a:prstGeom prst="rect">
-              <a:avLst/>
-            </a:prstGeom>
-          </p:spPr>
-          <p:txBody>
-            <a:bodyPr>
-              <a:spAutoFit/>
-            </a:bodyPr>
-            <a:lstStyle/>
-            <a:p>
-              <a:r>
-                <a:rPr lang="fr-FR" b="0" dirty="0" smtClean="0">
-                  <a:solidFill>
-                    <a:srgbClr val="000000"/>
-                  </a:solidFill>
-                  <a:effectLst/>
-                  <a:latin typeface="Consolas" panose="020B0609020204030204" pitchFamily="49" charset="0"/>
-                </a:rPr>
-                <a:t>cout &lt;&lt; *mass + </a:t>
-              </a:r>
-              <a:r>
-                <a:rPr lang="fr-FR" b="0" dirty="0" smtClean="0">
-                  <a:solidFill>
-                    <a:srgbClr val="098658"/>
-                  </a:solidFill>
-                  <a:effectLst/>
-                  <a:latin typeface="Consolas" panose="020B0609020204030204" pitchFamily="49" charset="0"/>
-                </a:rPr>
-                <a:t>10</a:t>
-              </a:r>
-              <a:r>
-                <a:rPr lang="fr-FR" b="0" dirty="0" smtClean="0">
-                  <a:solidFill>
-                    <a:srgbClr val="000000"/>
-                  </a:solidFill>
-                  <a:effectLst/>
-                  <a:latin typeface="Consolas" panose="020B0609020204030204" pitchFamily="49" charset="0"/>
-                </a:rPr>
-                <a:t> &lt;&lt; endl;</a:t>
-              </a:r>
-            </a:p>
-            <a:p>
-              <a:r>
-                <a:rPr lang="fr-FR" b="0" dirty="0" smtClean="0">
-                  <a:solidFill>
-                    <a:srgbClr val="000000"/>
-                  </a:solidFill>
-                  <a:effectLst/>
-                  <a:latin typeface="Consolas" panose="020B0609020204030204" pitchFamily="49" charset="0"/>
-                </a:rPr>
-                <a:t>cout &lt;&lt; mass[</a:t>
-              </a:r>
-              <a:r>
-                <a:rPr lang="fr-FR" b="0" dirty="0" smtClean="0">
-                  <a:solidFill>
-                    <a:srgbClr val="098658"/>
-                  </a:solidFill>
-                  <a:effectLst/>
-                  <a:latin typeface="Consolas" panose="020B0609020204030204" pitchFamily="49" charset="0"/>
-                </a:rPr>
-                <a:t>0</a:t>
-              </a:r>
-              <a:r>
-                <a:rPr lang="fr-FR" b="0" dirty="0" smtClean="0">
-                  <a:solidFill>
-                    <a:srgbClr val="000000"/>
-                  </a:solidFill>
-                  <a:effectLst/>
-                  <a:latin typeface="Consolas" panose="020B0609020204030204" pitchFamily="49" charset="0"/>
-                </a:rPr>
-                <a:t>] + </a:t>
-              </a:r>
-              <a:r>
-                <a:rPr lang="fr-FR" b="0" dirty="0" smtClean="0">
-                  <a:solidFill>
-                    <a:srgbClr val="098658"/>
-                  </a:solidFill>
-                  <a:effectLst/>
-                  <a:latin typeface="Consolas" panose="020B0609020204030204" pitchFamily="49" charset="0"/>
-                </a:rPr>
-                <a:t>10</a:t>
-              </a:r>
-              <a:r>
-                <a:rPr lang="fr-FR" b="0" dirty="0" smtClean="0">
-                  <a:solidFill>
-                    <a:srgbClr val="000000"/>
-                  </a:solidFill>
-                  <a:effectLst/>
-                  <a:latin typeface="Consolas" panose="020B0609020204030204" pitchFamily="49" charset="0"/>
-                </a:rPr>
-                <a:t> &lt;&lt; endl; </a:t>
-              </a:r>
-            </a:p>
-            <a:p>
-              <a:r>
-                <a:rPr lang="fr-FR" b="0" dirty="0" smtClean="0">
-                  <a:solidFill>
-                    <a:srgbClr val="000000"/>
-                  </a:solidFill>
-                  <a:effectLst/>
-                  <a:latin typeface="Consolas" panose="020B0609020204030204" pitchFamily="49" charset="0"/>
-                </a:rPr>
-                <a:t>cout &lt;&lt; *(p + </a:t>
-              </a:r>
-              <a:r>
-                <a:rPr lang="fr-FR" b="0" dirty="0" smtClean="0">
-                  <a:solidFill>
-                    <a:srgbClr val="098658"/>
-                  </a:solidFill>
-                  <a:effectLst/>
-                  <a:latin typeface="Consolas" panose="020B0609020204030204" pitchFamily="49" charset="0"/>
-                </a:rPr>
-                <a:t>1</a:t>
-              </a:r>
-              <a:r>
-                <a:rPr lang="fr-FR" b="0" dirty="0" smtClean="0">
-                  <a:solidFill>
-                    <a:srgbClr val="000000"/>
-                  </a:solidFill>
-                  <a:effectLst/>
-                  <a:latin typeface="Consolas" panose="020B0609020204030204" pitchFamily="49" charset="0"/>
-                </a:rPr>
-                <a:t>) + </a:t>
-              </a:r>
-              <a:r>
-                <a:rPr lang="fr-FR" b="0" dirty="0" smtClean="0">
-                  <a:solidFill>
-                    <a:srgbClr val="098658"/>
-                  </a:solidFill>
-                  <a:effectLst/>
-                  <a:latin typeface="Consolas" panose="020B0609020204030204" pitchFamily="49" charset="0"/>
-                </a:rPr>
-                <a:t>10</a:t>
-              </a:r>
-              <a:r>
-                <a:rPr lang="fr-FR" b="0" dirty="0" smtClean="0">
-                  <a:solidFill>
-                    <a:srgbClr val="000000"/>
-                  </a:solidFill>
-                  <a:effectLst/>
-                  <a:latin typeface="Consolas" panose="020B0609020204030204" pitchFamily="49" charset="0"/>
-                </a:rPr>
-                <a:t> &lt;&lt; endl; </a:t>
-              </a:r>
-            </a:p>
-            <a:p>
-              <a:r>
-                <a:rPr lang="fr-FR" b="0" dirty="0" smtClean="0">
-                  <a:solidFill>
-                    <a:srgbClr val="000000"/>
-                  </a:solidFill>
-                  <a:effectLst/>
-                  <a:latin typeface="Consolas" panose="020B0609020204030204" pitchFamily="49" charset="0"/>
-                </a:rPr>
-                <a:t>*(p + </a:t>
-              </a:r>
-              <a:r>
-                <a:rPr lang="fr-FR" b="0" dirty="0" smtClean="0">
-                  <a:solidFill>
-                    <a:srgbClr val="098658"/>
-                  </a:solidFill>
-                  <a:effectLst/>
-                  <a:latin typeface="Consolas" panose="020B0609020204030204" pitchFamily="49" charset="0"/>
-                </a:rPr>
-                <a:t>1</a:t>
-              </a:r>
-              <a:r>
-                <a:rPr lang="fr-FR" b="0" dirty="0" smtClean="0">
-                  <a:solidFill>
-                    <a:srgbClr val="000000"/>
-                  </a:solidFill>
-                  <a:effectLst/>
-                  <a:latin typeface="Consolas" panose="020B0609020204030204" pitchFamily="49" charset="0"/>
-                </a:rPr>
-                <a:t>) = </a:t>
-              </a:r>
-              <a:r>
-                <a:rPr lang="fr-FR" b="0" dirty="0" smtClean="0">
-                  <a:solidFill>
-                    <a:srgbClr val="098658"/>
-                  </a:solidFill>
-                  <a:effectLst/>
-                  <a:latin typeface="Consolas" panose="020B0609020204030204" pitchFamily="49" charset="0"/>
-                </a:rPr>
-                <a:t>11</a:t>
-              </a:r>
-              <a:r>
-                <a:rPr lang="fr-FR" b="0" dirty="0" smtClean="0">
-                  <a:solidFill>
-                    <a:srgbClr val="000000"/>
-                  </a:solidFill>
-                  <a:effectLst/>
-                  <a:latin typeface="Consolas" panose="020B0609020204030204" pitchFamily="49" charset="0"/>
-                </a:rPr>
-                <a:t>;</a:t>
-              </a:r>
-            </a:p>
-            <a:p>
-              <a:r>
-                <a:rPr lang="fr-FR" b="0" dirty="0" smtClean="0">
-                  <a:solidFill>
-                    <a:srgbClr val="000000"/>
-                  </a:solidFill>
-                  <a:effectLst/>
-                  <a:latin typeface="Consolas" panose="020B0609020204030204" pitchFamily="49" charset="0"/>
-                </a:rPr>
-                <a:t>cout &lt;&lt; mass[</a:t>
-              </a:r>
-              <a:r>
-                <a:rPr lang="fr-FR" b="0" dirty="0" smtClean="0">
-                  <a:solidFill>
-                    <a:srgbClr val="098658"/>
-                  </a:solidFill>
-                  <a:effectLst/>
-                  <a:latin typeface="Consolas" panose="020B0609020204030204" pitchFamily="49" charset="0"/>
-                </a:rPr>
-                <a:t>1</a:t>
-              </a:r>
-              <a:r>
-                <a:rPr lang="fr-FR" b="0" dirty="0" smtClean="0">
-                  <a:solidFill>
-                    <a:srgbClr val="000000"/>
-                  </a:solidFill>
-                  <a:effectLst/>
-                  <a:latin typeface="Consolas" panose="020B0609020204030204" pitchFamily="49" charset="0"/>
-                </a:rPr>
-                <a:t>] &lt;&lt; endl;</a:t>
-              </a:r>
-              <a:endParaRPr lang="fr-FR" b="0" dirty="0">
-                <a:solidFill>
-                  <a:srgbClr val="000000"/>
-                </a:solidFill>
-                <a:effectLst/>
-                <a:latin typeface="Consolas" panose="020B0609020204030204" pitchFamily="49" charset="0"/>
-              </a:endParaRPr>
-            </a:p>
-          </p:txBody>
-        </p:sp>
-        <p:sp>
-          <p:nvSpPr>
-            <p:cNvPr id="20" name="Прямоугольник 19"/>
-            <p:cNvSpPr/>
-            <p:nvPr/>
-          </p:nvSpPr>
-          <p:spPr>
-            <a:xfrm>
-              <a:off x="9181745" y="5207535"/>
-              <a:ext cx="1333878" cy="1477328"/>
-            </a:xfrm>
-            <a:prstGeom prst="rect">
-              <a:avLst/>
-            </a:prstGeom>
-          </p:spPr>
-          <p:txBody>
-            <a:bodyPr wrap="square">
-              <a:spAutoFit/>
-            </a:bodyPr>
-            <a:lstStyle/>
-            <a:p>
-              <a:r>
-                <a:rPr lang="ru-RU" dirty="0" smtClean="0"/>
-                <a:t>13</a:t>
-              </a:r>
-            </a:p>
-            <a:p>
-              <a:r>
-                <a:rPr lang="ru-RU" dirty="0" smtClean="0"/>
-                <a:t>13</a:t>
-              </a:r>
-            </a:p>
-            <a:p>
-              <a:r>
-                <a:rPr lang="ru-RU" dirty="0" smtClean="0"/>
-                <a:t>15</a:t>
-              </a:r>
-              <a:endParaRPr lang="en-US" dirty="0" smtClean="0"/>
-            </a:p>
-            <a:p>
-              <a:endParaRPr lang="ru-RU" dirty="0" smtClean="0"/>
-            </a:p>
-            <a:p>
-              <a:r>
-                <a:rPr lang="ru-RU" dirty="0" smtClean="0"/>
-                <a:t>11</a:t>
-              </a:r>
-              <a:endParaRPr lang="ru-RU" dirty="0"/>
-            </a:p>
-          </p:txBody>
-        </p:sp>
-        <p:cxnSp>
-          <p:nvCxnSpPr>
-            <p:cNvPr id="21" name="Прямая соединительная линия 20"/>
-            <p:cNvCxnSpPr/>
-            <p:nvPr/>
-          </p:nvCxnSpPr>
-          <p:spPr>
-            <a:xfrm>
-              <a:off x="1613049" y="5539398"/>
-              <a:ext cx="8902574" cy="0"/>
-            </a:xfrm>
-            <a:prstGeom prst="line">
-              <a:avLst/>
-            </a:prstGeom>
-          </p:spPr>
-          <p:style>
-            <a:lnRef idx="1">
-              <a:schemeClr val="accent1"/>
-            </a:lnRef>
-            <a:fillRef idx="0">
-              <a:schemeClr val="accent1"/>
-            </a:fillRef>
-            <a:effectRef idx="0">
-              <a:schemeClr val="accent1"/>
-            </a:effectRef>
-            <a:fontRef idx="minor">
-              <a:schemeClr val="tx1"/>
-            </a:fontRef>
-          </p:style>
-        </p:cxnSp>
-        <p:cxnSp>
-          <p:nvCxnSpPr>
-            <p:cNvPr id="22" name="Прямая соединительная линия 21"/>
-            <p:cNvCxnSpPr/>
-            <p:nvPr/>
-          </p:nvCxnSpPr>
-          <p:spPr>
-            <a:xfrm>
-              <a:off x="1613049" y="5801949"/>
-              <a:ext cx="8902574" cy="0"/>
-            </a:xfrm>
-            <a:prstGeom prst="line">
-              <a:avLst/>
-            </a:prstGeom>
-          </p:spPr>
-          <p:style>
-            <a:lnRef idx="1">
-              <a:schemeClr val="accent1"/>
-            </a:lnRef>
-            <a:fillRef idx="0">
-              <a:schemeClr val="accent1"/>
-            </a:fillRef>
-            <a:effectRef idx="0">
-              <a:schemeClr val="accent1"/>
-            </a:effectRef>
-            <a:fontRef idx="minor">
-              <a:schemeClr val="tx1"/>
-            </a:fontRef>
-          </p:style>
-        </p:cxnSp>
-        <p:cxnSp>
-          <p:nvCxnSpPr>
-            <p:cNvPr id="23" name="Прямая соединительная линия 22"/>
-            <p:cNvCxnSpPr/>
-            <p:nvPr/>
-          </p:nvCxnSpPr>
-          <p:spPr>
-            <a:xfrm>
-              <a:off x="1613049" y="6073553"/>
-              <a:ext cx="8902574" cy="0"/>
-            </a:xfrm>
-            <a:prstGeom prst="line">
-              <a:avLst/>
-            </a:prstGeom>
-          </p:spPr>
-          <p:style>
-            <a:lnRef idx="1">
-              <a:schemeClr val="accent1"/>
-            </a:lnRef>
-            <a:fillRef idx="0">
-              <a:schemeClr val="accent1"/>
-            </a:fillRef>
-            <a:effectRef idx="0">
-              <a:schemeClr val="accent1"/>
-            </a:effectRef>
-            <a:fontRef idx="minor">
-              <a:schemeClr val="tx1"/>
-            </a:fontRef>
-          </p:style>
-        </p:cxnSp>
-        <p:cxnSp>
-          <p:nvCxnSpPr>
-            <p:cNvPr id="24" name="Прямая соединительная линия 23"/>
-            <p:cNvCxnSpPr/>
-            <p:nvPr/>
-          </p:nvCxnSpPr>
-          <p:spPr>
-            <a:xfrm>
-              <a:off x="1613049" y="6607708"/>
-              <a:ext cx="8902574" cy="0"/>
-            </a:xfrm>
-            <a:prstGeom prst="line">
-              <a:avLst/>
-            </a:prstGeom>
-          </p:spPr>
-          <p:style>
-            <a:lnRef idx="1">
-              <a:schemeClr val="accent1"/>
-            </a:lnRef>
-            <a:fillRef idx="0">
-              <a:schemeClr val="accent1"/>
-            </a:fillRef>
-            <a:effectRef idx="0">
-              <a:schemeClr val="accent1"/>
-            </a:effectRef>
-            <a:fontRef idx="minor">
-              <a:schemeClr val="tx1"/>
-            </a:fontRef>
-          </p:style>
-        </p:cxnSp>
-      </p:grpSp>
       <p:pic>
         <p:nvPicPr>
           <p:cNvPr id="2050" name="Picture 2" descr="Ясно Понятно, Мем Мальчик в спанч бобе"/>
@@ -24663,6 +24502,126 @@
           </a:extLst>
         </p:spPr>
       </p:pic>
+      <p:cxnSp>
+        <p:nvCxnSpPr>
+          <p:cNvPr id="26" name="Прямая соединительная линия 25"/>
+          <p:cNvCxnSpPr/>
+          <p:nvPr/>
+        </p:nvCxnSpPr>
+        <p:spPr>
+          <a:xfrm>
+            <a:off x="1676423" y="4566907"/>
+            <a:ext cx="8902574" cy="0"/>
+          </a:xfrm>
+          <a:prstGeom prst="line">
+            <a:avLst/>
+          </a:prstGeom>
+        </p:spPr>
+        <p:style>
+          <a:lnRef idx="1">
+            <a:schemeClr val="accent1"/>
+          </a:lnRef>
+          <a:fillRef idx="0">
+            <a:schemeClr val="accent1"/>
+          </a:fillRef>
+          <a:effectRef idx="0">
+            <a:schemeClr val="accent1"/>
+          </a:effectRef>
+          <a:fontRef idx="minor">
+            <a:schemeClr val="tx1"/>
+          </a:fontRef>
+        </p:style>
+      </p:cxnSp>
+      <p:cxnSp>
+        <p:nvCxnSpPr>
+          <p:cNvPr id="27" name="Прямая соединительная линия 26"/>
+          <p:cNvCxnSpPr/>
+          <p:nvPr/>
+        </p:nvCxnSpPr>
+        <p:spPr>
+          <a:xfrm>
+            <a:off x="1688518" y="5128222"/>
+            <a:ext cx="8902574" cy="0"/>
+          </a:xfrm>
+          <a:prstGeom prst="line">
+            <a:avLst/>
+          </a:prstGeom>
+        </p:spPr>
+        <p:style>
+          <a:lnRef idx="1">
+            <a:schemeClr val="accent1"/>
+          </a:lnRef>
+          <a:fillRef idx="0">
+            <a:schemeClr val="accent1"/>
+          </a:fillRef>
+          <a:effectRef idx="0">
+            <a:schemeClr val="accent1"/>
+          </a:effectRef>
+          <a:fontRef idx="minor">
+            <a:schemeClr val="tx1"/>
+          </a:fontRef>
+        </p:style>
+      </p:cxnSp>
+      <p:cxnSp>
+        <p:nvCxnSpPr>
+          <p:cNvPr id="28" name="Прямая соединительная линия 27"/>
+          <p:cNvCxnSpPr/>
+          <p:nvPr/>
+        </p:nvCxnSpPr>
+        <p:spPr>
+          <a:xfrm>
+            <a:off x="1688518" y="5943033"/>
+            <a:ext cx="8902574" cy="0"/>
+          </a:xfrm>
+          <a:prstGeom prst="line">
+            <a:avLst/>
+          </a:prstGeom>
+        </p:spPr>
+        <p:style>
+          <a:lnRef idx="1">
+            <a:schemeClr val="accent1"/>
+          </a:lnRef>
+          <a:fillRef idx="0">
+            <a:schemeClr val="accent1"/>
+          </a:fillRef>
+          <a:effectRef idx="0">
+            <a:schemeClr val="accent1"/>
+          </a:effectRef>
+          <a:fontRef idx="minor">
+            <a:schemeClr val="tx1"/>
+          </a:fontRef>
+        </p:style>
+      </p:cxnSp>
+      <p:cxnSp>
+        <p:nvCxnSpPr>
+          <p:cNvPr id="29" name="Прямая соединительная линия 28"/>
+          <p:cNvCxnSpPr/>
+          <p:nvPr/>
+        </p:nvCxnSpPr>
+        <p:spPr>
+          <a:xfrm>
+            <a:off x="1688518" y="6232745"/>
+            <a:ext cx="8902574" cy="0"/>
+          </a:xfrm>
+          <a:prstGeom prst="line">
+            <a:avLst/>
+          </a:prstGeom>
+        </p:spPr>
+        <p:style>
+          <a:lnRef idx="1">
+            <a:schemeClr val="accent1"/>
+          </a:lnRef>
+          <a:fillRef idx="0">
+            <a:schemeClr val="accent1"/>
+          </a:fillRef>
+          <a:effectRef idx="0">
+            <a:schemeClr val="accent1"/>
+          </a:effectRef>
+          <a:fontRef idx="minor">
+            <a:schemeClr val="tx1"/>
+          </a:fontRef>
+        </p:style>
+      </p:cxnSp>
     </p:spTree>
     <p:extLst>
       <p:ext uri="{BB962C8B-B14F-4D97-AF65-F5344CB8AC3E}">
@@ -24986,30 +24945,6 @@
           </a:prstGeom>
         </p:spPr>
       </p:pic>
-      <p:pic>
-        <p:nvPicPr>
-          <p:cNvPr id="7" name="Рисунок 6"/>
-          <p:cNvPicPr>
-            <a:picLocks noChangeAspect="1"/>
-          </p:cNvPicPr>
-          <p:nvPr/>
-        </p:nvPicPr>
-        <p:blipFill>
-          <a:blip r:embed="rId4"/>
-          <a:stretch>
-            <a:fillRect/>
-          </a:stretch>
-        </p:blipFill>
-        <p:spPr>
-          <a:xfrm>
-            <a:off x="3238320" y="3103118"/>
-            <a:ext cx="2637379" cy="735551"/>
-          </a:xfrm>
-          <a:prstGeom prst="rect">
-            <a:avLst/>
-          </a:prstGeom>
-        </p:spPr>
-      </p:pic>
       <p:sp>
         <p:nvSpPr>
           <p:cNvPr id="8" name="TextBox 7"/>
@@ -25073,7 +25008,7 @@
           <p:nvPr/>
         </p:nvPicPr>
         <p:blipFill>
-          <a:blip r:embed="rId5">
+          <a:blip r:embed="rId4">
             <a:extLst>
               <a:ext uri="{28A0092B-C50C-407E-A947-70E740481C1C}">
                 <a14:useLocalDpi xmlns:a14="http://schemas.microsoft.com/office/drawing/2010/main" val="0"/>
@@ -25103,6 +25038,30 @@
               </a14:hiddenFill>
             </a:ext>
           </a:extLst>
+        </p:spPr>
+      </p:pic>
+      <p:pic>
+        <p:nvPicPr>
+          <p:cNvPr id="11" name="Рисунок 10"/>
+          <p:cNvPicPr>
+            <a:picLocks noChangeAspect="1"/>
+          </p:cNvPicPr>
+          <p:nvPr/>
+        </p:nvPicPr>
+        <p:blipFill>
+          <a:blip r:embed="rId5"/>
+          <a:stretch>
+            <a:fillRect/>
+          </a:stretch>
+        </p:blipFill>
+        <p:spPr>
+          <a:xfrm>
+            <a:off x="2852689" y="3078072"/>
+            <a:ext cx="2962275" cy="685800"/>
+          </a:xfrm>
+          <a:prstGeom prst="rect">
+            <a:avLst/>
+          </a:prstGeom>
         </p:spPr>
       </p:pic>
     </p:spTree>
